--- a/suna/8월 29일 화/팬덕.pptx
+++ b/suna/8월 29일 화/팬덕.pptx
@@ -162,7 +162,7 @@
           <p:cNvPr id="2" name="제목 1">
             <a:extLst>
               <a:ext uri="{FF2B5EF4-FFF2-40B4-BE49-F238E27FC236}">
-                <a16:creationId xmlns="" xmlns:a16="http://schemas.microsoft.com/office/drawing/2014/main" id="{A4A2DA23-DF10-4F8D-9A5E-4D4784C714A1}"/>
+                <a16:creationId xmlns:a16="http://schemas.microsoft.com/office/drawing/2014/main" xmlns="" id="{A4A2DA23-DF10-4F8D-9A5E-4D4784C714A1}"/>
               </a:ext>
             </a:extLst>
           </p:cNvPr>
@@ -199,7 +199,7 @@
           <p:cNvPr id="3" name="부제목 2">
             <a:extLst>
               <a:ext uri="{FF2B5EF4-FFF2-40B4-BE49-F238E27FC236}">
-                <a16:creationId xmlns="" xmlns:a16="http://schemas.microsoft.com/office/drawing/2014/main" id="{F60C5327-B7B0-4208-88A0-044BA81893DB}"/>
+                <a16:creationId xmlns:a16="http://schemas.microsoft.com/office/drawing/2014/main" xmlns="" id="{F60C5327-B7B0-4208-88A0-044BA81893DB}"/>
               </a:ext>
             </a:extLst>
           </p:cNvPr>
@@ -269,7 +269,7 @@
           <p:cNvPr id="4" name="날짜 개체 틀 3">
             <a:extLst>
               <a:ext uri="{FF2B5EF4-FFF2-40B4-BE49-F238E27FC236}">
-                <a16:creationId xmlns="" xmlns:a16="http://schemas.microsoft.com/office/drawing/2014/main" id="{0ED70F84-A9C4-40FC-85EC-28B998423D41}"/>
+                <a16:creationId xmlns:a16="http://schemas.microsoft.com/office/drawing/2014/main" xmlns="" id="{0ED70F84-A9C4-40FC-85EC-28B998423D41}"/>
               </a:ext>
             </a:extLst>
           </p:cNvPr>
@@ -298,7 +298,7 @@
           <p:cNvPr id="5" name="바닥글 개체 틀 4">
             <a:extLst>
               <a:ext uri="{FF2B5EF4-FFF2-40B4-BE49-F238E27FC236}">
-                <a16:creationId xmlns="" xmlns:a16="http://schemas.microsoft.com/office/drawing/2014/main" id="{4A9CE12A-1506-4359-8094-615DDD51C14A}"/>
+                <a16:creationId xmlns:a16="http://schemas.microsoft.com/office/drawing/2014/main" xmlns="" id="{4A9CE12A-1506-4359-8094-615DDD51C14A}"/>
               </a:ext>
             </a:extLst>
           </p:cNvPr>
@@ -323,7 +323,7 @@
           <p:cNvPr id="6" name="슬라이드 번호 개체 틀 5">
             <a:extLst>
               <a:ext uri="{FF2B5EF4-FFF2-40B4-BE49-F238E27FC236}">
-                <a16:creationId xmlns="" xmlns:a16="http://schemas.microsoft.com/office/drawing/2014/main" id="{8BFD6718-0938-47C2-A608-AEF65FC876B3}"/>
+                <a16:creationId xmlns:a16="http://schemas.microsoft.com/office/drawing/2014/main" xmlns="" id="{8BFD6718-0938-47C2-A608-AEF65FC876B3}"/>
               </a:ext>
             </a:extLst>
           </p:cNvPr>
@@ -382,7 +382,7 @@
           <p:cNvPr id="2" name="제목 1">
             <a:extLst>
               <a:ext uri="{FF2B5EF4-FFF2-40B4-BE49-F238E27FC236}">
-                <a16:creationId xmlns="" xmlns:a16="http://schemas.microsoft.com/office/drawing/2014/main" id="{568656BD-5D35-4821-868A-9000E05E618B}"/>
+                <a16:creationId xmlns:a16="http://schemas.microsoft.com/office/drawing/2014/main" xmlns="" id="{568656BD-5D35-4821-868A-9000E05E618B}"/>
               </a:ext>
             </a:extLst>
           </p:cNvPr>
@@ -410,7 +410,7 @@
           <p:cNvPr id="3" name="세로 텍스트 개체 틀 2">
             <a:extLst>
               <a:ext uri="{FF2B5EF4-FFF2-40B4-BE49-F238E27FC236}">
-                <a16:creationId xmlns="" xmlns:a16="http://schemas.microsoft.com/office/drawing/2014/main" id="{23E21445-1650-4183-91F3-1337D47E9E47}"/>
+                <a16:creationId xmlns:a16="http://schemas.microsoft.com/office/drawing/2014/main" xmlns="" id="{23E21445-1650-4183-91F3-1337D47E9E47}"/>
               </a:ext>
             </a:extLst>
           </p:cNvPr>
@@ -467,7 +467,7 @@
           <p:cNvPr id="4" name="날짜 개체 틀 3">
             <a:extLst>
               <a:ext uri="{FF2B5EF4-FFF2-40B4-BE49-F238E27FC236}">
-                <a16:creationId xmlns="" xmlns:a16="http://schemas.microsoft.com/office/drawing/2014/main" id="{5E67FA94-1338-486A-8DE6-8FDEF4C575A1}"/>
+                <a16:creationId xmlns:a16="http://schemas.microsoft.com/office/drawing/2014/main" xmlns="" id="{5E67FA94-1338-486A-8DE6-8FDEF4C575A1}"/>
               </a:ext>
             </a:extLst>
           </p:cNvPr>
@@ -496,7 +496,7 @@
           <p:cNvPr id="5" name="바닥글 개체 틀 4">
             <a:extLst>
               <a:ext uri="{FF2B5EF4-FFF2-40B4-BE49-F238E27FC236}">
-                <a16:creationId xmlns="" xmlns:a16="http://schemas.microsoft.com/office/drawing/2014/main" id="{FE3DB6C4-5D2D-4C51-9A51-FB1411AD9633}"/>
+                <a16:creationId xmlns:a16="http://schemas.microsoft.com/office/drawing/2014/main" xmlns="" id="{FE3DB6C4-5D2D-4C51-9A51-FB1411AD9633}"/>
               </a:ext>
             </a:extLst>
           </p:cNvPr>
@@ -521,7 +521,7 @@
           <p:cNvPr id="6" name="슬라이드 번호 개체 틀 5">
             <a:extLst>
               <a:ext uri="{FF2B5EF4-FFF2-40B4-BE49-F238E27FC236}">
-                <a16:creationId xmlns="" xmlns:a16="http://schemas.microsoft.com/office/drawing/2014/main" id="{17FEA2A0-6EC6-4140-BB4B-875A04871C8F}"/>
+                <a16:creationId xmlns:a16="http://schemas.microsoft.com/office/drawing/2014/main" xmlns="" id="{17FEA2A0-6EC6-4140-BB4B-875A04871C8F}"/>
               </a:ext>
             </a:extLst>
           </p:cNvPr>
@@ -580,7 +580,7 @@
           <p:cNvPr id="2" name="세로 제목 1">
             <a:extLst>
               <a:ext uri="{FF2B5EF4-FFF2-40B4-BE49-F238E27FC236}">
-                <a16:creationId xmlns="" xmlns:a16="http://schemas.microsoft.com/office/drawing/2014/main" id="{2C65E314-0EEA-4953-9B59-FCFE185DDA43}"/>
+                <a16:creationId xmlns:a16="http://schemas.microsoft.com/office/drawing/2014/main" xmlns="" id="{2C65E314-0EEA-4953-9B59-FCFE185DDA43}"/>
               </a:ext>
             </a:extLst>
           </p:cNvPr>
@@ -613,7 +613,7 @@
           <p:cNvPr id="3" name="세로 텍스트 개체 틀 2">
             <a:extLst>
               <a:ext uri="{FF2B5EF4-FFF2-40B4-BE49-F238E27FC236}">
-                <a16:creationId xmlns="" xmlns:a16="http://schemas.microsoft.com/office/drawing/2014/main" id="{3C6BF59F-25FF-4293-AE85-12667F4A50C4}"/>
+                <a16:creationId xmlns:a16="http://schemas.microsoft.com/office/drawing/2014/main" xmlns="" id="{3C6BF59F-25FF-4293-AE85-12667F4A50C4}"/>
               </a:ext>
             </a:extLst>
           </p:cNvPr>
@@ -675,7 +675,7 @@
           <p:cNvPr id="4" name="날짜 개체 틀 3">
             <a:extLst>
               <a:ext uri="{FF2B5EF4-FFF2-40B4-BE49-F238E27FC236}">
-                <a16:creationId xmlns="" xmlns:a16="http://schemas.microsoft.com/office/drawing/2014/main" id="{76706C7A-19E3-40C0-9EB5-3AFB757E76FD}"/>
+                <a16:creationId xmlns:a16="http://schemas.microsoft.com/office/drawing/2014/main" xmlns="" id="{76706C7A-19E3-40C0-9EB5-3AFB757E76FD}"/>
               </a:ext>
             </a:extLst>
           </p:cNvPr>
@@ -704,7 +704,7 @@
           <p:cNvPr id="5" name="바닥글 개체 틀 4">
             <a:extLst>
               <a:ext uri="{FF2B5EF4-FFF2-40B4-BE49-F238E27FC236}">
-                <a16:creationId xmlns="" xmlns:a16="http://schemas.microsoft.com/office/drawing/2014/main" id="{DBEB2008-5EDF-43DA-A476-313DF4F45D73}"/>
+                <a16:creationId xmlns:a16="http://schemas.microsoft.com/office/drawing/2014/main" xmlns="" id="{DBEB2008-5EDF-43DA-A476-313DF4F45D73}"/>
               </a:ext>
             </a:extLst>
           </p:cNvPr>
@@ -729,7 +729,7 @@
           <p:cNvPr id="6" name="슬라이드 번호 개체 틀 5">
             <a:extLst>
               <a:ext uri="{FF2B5EF4-FFF2-40B4-BE49-F238E27FC236}">
-                <a16:creationId xmlns="" xmlns:a16="http://schemas.microsoft.com/office/drawing/2014/main" id="{F76929C1-C078-43DA-9E82-FB02813A1A33}"/>
+                <a16:creationId xmlns:a16="http://schemas.microsoft.com/office/drawing/2014/main" xmlns="" id="{F76929C1-C078-43DA-9E82-FB02813A1A33}"/>
               </a:ext>
             </a:extLst>
           </p:cNvPr>
@@ -1676,7 +1676,7 @@
           <p:cNvPr id="2" name="제목 1">
             <a:extLst>
               <a:ext uri="{FF2B5EF4-FFF2-40B4-BE49-F238E27FC236}">
-                <a16:creationId xmlns="" xmlns:a16="http://schemas.microsoft.com/office/drawing/2014/main" id="{DA7B2D9F-095A-4FF0-A80D-3BDA5DF551FA}"/>
+                <a16:creationId xmlns:a16="http://schemas.microsoft.com/office/drawing/2014/main" xmlns="" id="{DA7B2D9F-095A-4FF0-A80D-3BDA5DF551FA}"/>
               </a:ext>
             </a:extLst>
           </p:cNvPr>
@@ -1704,7 +1704,7 @@
           <p:cNvPr id="3" name="내용 개체 틀 2">
             <a:extLst>
               <a:ext uri="{FF2B5EF4-FFF2-40B4-BE49-F238E27FC236}">
-                <a16:creationId xmlns="" xmlns:a16="http://schemas.microsoft.com/office/drawing/2014/main" id="{AF0156C3-74C8-44CD-8FED-952153593234}"/>
+                <a16:creationId xmlns:a16="http://schemas.microsoft.com/office/drawing/2014/main" xmlns="" id="{AF0156C3-74C8-44CD-8FED-952153593234}"/>
               </a:ext>
             </a:extLst>
           </p:cNvPr>
@@ -1761,7 +1761,7 @@
           <p:cNvPr id="4" name="날짜 개체 틀 3">
             <a:extLst>
               <a:ext uri="{FF2B5EF4-FFF2-40B4-BE49-F238E27FC236}">
-                <a16:creationId xmlns="" xmlns:a16="http://schemas.microsoft.com/office/drawing/2014/main" id="{D33AC0B9-D0F1-444C-B176-570CA32A3110}"/>
+                <a16:creationId xmlns:a16="http://schemas.microsoft.com/office/drawing/2014/main" xmlns="" id="{D33AC0B9-D0F1-444C-B176-570CA32A3110}"/>
               </a:ext>
             </a:extLst>
           </p:cNvPr>
@@ -1790,7 +1790,7 @@
           <p:cNvPr id="5" name="바닥글 개체 틀 4">
             <a:extLst>
               <a:ext uri="{FF2B5EF4-FFF2-40B4-BE49-F238E27FC236}">
-                <a16:creationId xmlns="" xmlns:a16="http://schemas.microsoft.com/office/drawing/2014/main" id="{86BDF9A2-E320-4E8D-A288-A04AC022313A}"/>
+                <a16:creationId xmlns:a16="http://schemas.microsoft.com/office/drawing/2014/main" xmlns="" id="{86BDF9A2-E320-4E8D-A288-A04AC022313A}"/>
               </a:ext>
             </a:extLst>
           </p:cNvPr>
@@ -1815,7 +1815,7 @@
           <p:cNvPr id="6" name="슬라이드 번호 개체 틀 5">
             <a:extLst>
               <a:ext uri="{FF2B5EF4-FFF2-40B4-BE49-F238E27FC236}">
-                <a16:creationId xmlns="" xmlns:a16="http://schemas.microsoft.com/office/drawing/2014/main" id="{708B103E-40CA-421E-92E0-19E5BA8E3ED9}"/>
+                <a16:creationId xmlns:a16="http://schemas.microsoft.com/office/drawing/2014/main" xmlns="" id="{708B103E-40CA-421E-92E0-19E5BA8E3ED9}"/>
               </a:ext>
             </a:extLst>
           </p:cNvPr>
@@ -1874,7 +1874,7 @@
           <p:cNvPr id="2" name="제목 1">
             <a:extLst>
               <a:ext uri="{FF2B5EF4-FFF2-40B4-BE49-F238E27FC236}">
-                <a16:creationId xmlns="" xmlns:a16="http://schemas.microsoft.com/office/drawing/2014/main" id="{AD8D91B6-9597-40EA-A07B-476DAA57D111}"/>
+                <a16:creationId xmlns:a16="http://schemas.microsoft.com/office/drawing/2014/main" xmlns="" id="{AD8D91B6-9597-40EA-A07B-476DAA57D111}"/>
               </a:ext>
             </a:extLst>
           </p:cNvPr>
@@ -1911,7 +1911,7 @@
           <p:cNvPr id="3" name="텍스트 개체 틀 2">
             <a:extLst>
               <a:ext uri="{FF2B5EF4-FFF2-40B4-BE49-F238E27FC236}">
-                <a16:creationId xmlns="" xmlns:a16="http://schemas.microsoft.com/office/drawing/2014/main" id="{F56F9E73-56BD-4F9E-88F2-17B087435F6C}"/>
+                <a16:creationId xmlns:a16="http://schemas.microsoft.com/office/drawing/2014/main" xmlns="" id="{F56F9E73-56BD-4F9E-88F2-17B087435F6C}"/>
               </a:ext>
             </a:extLst>
           </p:cNvPr>
@@ -2036,7 +2036,7 @@
           <p:cNvPr id="4" name="날짜 개체 틀 3">
             <a:extLst>
               <a:ext uri="{FF2B5EF4-FFF2-40B4-BE49-F238E27FC236}">
-                <a16:creationId xmlns="" xmlns:a16="http://schemas.microsoft.com/office/drawing/2014/main" id="{7DF85FB7-107C-4961-9D60-98A5262BD4BF}"/>
+                <a16:creationId xmlns:a16="http://schemas.microsoft.com/office/drawing/2014/main" xmlns="" id="{7DF85FB7-107C-4961-9D60-98A5262BD4BF}"/>
               </a:ext>
             </a:extLst>
           </p:cNvPr>
@@ -2065,7 +2065,7 @@
           <p:cNvPr id="5" name="바닥글 개체 틀 4">
             <a:extLst>
               <a:ext uri="{FF2B5EF4-FFF2-40B4-BE49-F238E27FC236}">
-                <a16:creationId xmlns="" xmlns:a16="http://schemas.microsoft.com/office/drawing/2014/main" id="{81940204-64C7-4332-88DB-D062512E0033}"/>
+                <a16:creationId xmlns:a16="http://schemas.microsoft.com/office/drawing/2014/main" xmlns="" id="{81940204-64C7-4332-88DB-D062512E0033}"/>
               </a:ext>
             </a:extLst>
           </p:cNvPr>
@@ -2090,7 +2090,7 @@
           <p:cNvPr id="6" name="슬라이드 번호 개체 틀 5">
             <a:extLst>
               <a:ext uri="{FF2B5EF4-FFF2-40B4-BE49-F238E27FC236}">
-                <a16:creationId xmlns="" xmlns:a16="http://schemas.microsoft.com/office/drawing/2014/main" id="{CAA335BE-FBB6-433C-A349-F28E53A67361}"/>
+                <a16:creationId xmlns:a16="http://schemas.microsoft.com/office/drawing/2014/main" xmlns="" id="{CAA335BE-FBB6-433C-A349-F28E53A67361}"/>
               </a:ext>
             </a:extLst>
           </p:cNvPr>
@@ -2149,7 +2149,7 @@
           <p:cNvPr id="2" name="제목 1">
             <a:extLst>
               <a:ext uri="{FF2B5EF4-FFF2-40B4-BE49-F238E27FC236}">
-                <a16:creationId xmlns="" xmlns:a16="http://schemas.microsoft.com/office/drawing/2014/main" id="{EB836039-E389-4A4B-B022-9813563A9975}"/>
+                <a16:creationId xmlns:a16="http://schemas.microsoft.com/office/drawing/2014/main" xmlns="" id="{EB836039-E389-4A4B-B022-9813563A9975}"/>
               </a:ext>
             </a:extLst>
           </p:cNvPr>
@@ -2177,7 +2177,7 @@
           <p:cNvPr id="3" name="내용 개체 틀 2">
             <a:extLst>
               <a:ext uri="{FF2B5EF4-FFF2-40B4-BE49-F238E27FC236}">
-                <a16:creationId xmlns="" xmlns:a16="http://schemas.microsoft.com/office/drawing/2014/main" id="{71597ECF-96FA-4304-8AE3-0E2B896A5D83}"/>
+                <a16:creationId xmlns:a16="http://schemas.microsoft.com/office/drawing/2014/main" xmlns="" id="{71597ECF-96FA-4304-8AE3-0E2B896A5D83}"/>
               </a:ext>
             </a:extLst>
           </p:cNvPr>
@@ -2239,7 +2239,7 @@
           <p:cNvPr id="4" name="내용 개체 틀 3">
             <a:extLst>
               <a:ext uri="{FF2B5EF4-FFF2-40B4-BE49-F238E27FC236}">
-                <a16:creationId xmlns="" xmlns:a16="http://schemas.microsoft.com/office/drawing/2014/main" id="{5B2DEB75-6267-4FC1-B422-36E3454F23B1}"/>
+                <a16:creationId xmlns:a16="http://schemas.microsoft.com/office/drawing/2014/main" xmlns="" id="{5B2DEB75-6267-4FC1-B422-36E3454F23B1}"/>
               </a:ext>
             </a:extLst>
           </p:cNvPr>
@@ -2301,7 +2301,7 @@
           <p:cNvPr id="5" name="날짜 개체 틀 4">
             <a:extLst>
               <a:ext uri="{FF2B5EF4-FFF2-40B4-BE49-F238E27FC236}">
-                <a16:creationId xmlns="" xmlns:a16="http://schemas.microsoft.com/office/drawing/2014/main" id="{DF0ECD2C-E23B-46B7-B593-D59494A2FEA0}"/>
+                <a16:creationId xmlns:a16="http://schemas.microsoft.com/office/drawing/2014/main" xmlns="" id="{DF0ECD2C-E23B-46B7-B593-D59494A2FEA0}"/>
               </a:ext>
             </a:extLst>
           </p:cNvPr>
@@ -2330,7 +2330,7 @@
           <p:cNvPr id="6" name="바닥글 개체 틀 5">
             <a:extLst>
               <a:ext uri="{FF2B5EF4-FFF2-40B4-BE49-F238E27FC236}">
-                <a16:creationId xmlns="" xmlns:a16="http://schemas.microsoft.com/office/drawing/2014/main" id="{49DDA344-C039-4348-BB88-E3E6E80816D8}"/>
+                <a16:creationId xmlns:a16="http://schemas.microsoft.com/office/drawing/2014/main" xmlns="" id="{49DDA344-C039-4348-BB88-E3E6E80816D8}"/>
               </a:ext>
             </a:extLst>
           </p:cNvPr>
@@ -2355,7 +2355,7 @@
           <p:cNvPr id="7" name="슬라이드 번호 개체 틀 6">
             <a:extLst>
               <a:ext uri="{FF2B5EF4-FFF2-40B4-BE49-F238E27FC236}">
-                <a16:creationId xmlns="" xmlns:a16="http://schemas.microsoft.com/office/drawing/2014/main" id="{F0F844AC-B395-4551-8A01-3A1F5F151A6A}"/>
+                <a16:creationId xmlns:a16="http://schemas.microsoft.com/office/drawing/2014/main" xmlns="" id="{F0F844AC-B395-4551-8A01-3A1F5F151A6A}"/>
               </a:ext>
             </a:extLst>
           </p:cNvPr>
@@ -2414,7 +2414,7 @@
           <p:cNvPr id="2" name="제목 1">
             <a:extLst>
               <a:ext uri="{FF2B5EF4-FFF2-40B4-BE49-F238E27FC236}">
-                <a16:creationId xmlns="" xmlns:a16="http://schemas.microsoft.com/office/drawing/2014/main" id="{A881CC94-E6D6-455C-A2F6-ECFE820D86A3}"/>
+                <a16:creationId xmlns:a16="http://schemas.microsoft.com/office/drawing/2014/main" xmlns="" id="{A881CC94-E6D6-455C-A2F6-ECFE820D86A3}"/>
               </a:ext>
             </a:extLst>
           </p:cNvPr>
@@ -2447,7 +2447,7 @@
           <p:cNvPr id="3" name="텍스트 개체 틀 2">
             <a:extLst>
               <a:ext uri="{FF2B5EF4-FFF2-40B4-BE49-F238E27FC236}">
-                <a16:creationId xmlns="" xmlns:a16="http://schemas.microsoft.com/office/drawing/2014/main" id="{244FA165-D43F-4347-A51F-B7FB9D10904B}"/>
+                <a16:creationId xmlns:a16="http://schemas.microsoft.com/office/drawing/2014/main" xmlns="" id="{244FA165-D43F-4347-A51F-B7FB9D10904B}"/>
               </a:ext>
             </a:extLst>
           </p:cNvPr>
@@ -2518,7 +2518,7 @@
           <p:cNvPr id="4" name="내용 개체 틀 3">
             <a:extLst>
               <a:ext uri="{FF2B5EF4-FFF2-40B4-BE49-F238E27FC236}">
-                <a16:creationId xmlns="" xmlns:a16="http://schemas.microsoft.com/office/drawing/2014/main" id="{1D73541E-2196-4CDC-8755-338D74C7092A}"/>
+                <a16:creationId xmlns:a16="http://schemas.microsoft.com/office/drawing/2014/main" xmlns="" id="{1D73541E-2196-4CDC-8755-338D74C7092A}"/>
               </a:ext>
             </a:extLst>
           </p:cNvPr>
@@ -2580,7 +2580,7 @@
           <p:cNvPr id="5" name="텍스트 개체 틀 4">
             <a:extLst>
               <a:ext uri="{FF2B5EF4-FFF2-40B4-BE49-F238E27FC236}">
-                <a16:creationId xmlns="" xmlns:a16="http://schemas.microsoft.com/office/drawing/2014/main" id="{A4D48012-0B1E-46FC-9FB8-A9184EDE8CA4}"/>
+                <a16:creationId xmlns:a16="http://schemas.microsoft.com/office/drawing/2014/main" xmlns="" id="{A4D48012-0B1E-46FC-9FB8-A9184EDE8CA4}"/>
               </a:ext>
             </a:extLst>
           </p:cNvPr>
@@ -2651,7 +2651,7 @@
           <p:cNvPr id="6" name="내용 개체 틀 5">
             <a:extLst>
               <a:ext uri="{FF2B5EF4-FFF2-40B4-BE49-F238E27FC236}">
-                <a16:creationId xmlns="" xmlns:a16="http://schemas.microsoft.com/office/drawing/2014/main" id="{E26E71D8-A382-4355-AD0A-82F0B731EAA2}"/>
+                <a16:creationId xmlns:a16="http://schemas.microsoft.com/office/drawing/2014/main" xmlns="" id="{E26E71D8-A382-4355-AD0A-82F0B731EAA2}"/>
               </a:ext>
             </a:extLst>
           </p:cNvPr>
@@ -2713,7 +2713,7 @@
           <p:cNvPr id="7" name="날짜 개체 틀 6">
             <a:extLst>
               <a:ext uri="{FF2B5EF4-FFF2-40B4-BE49-F238E27FC236}">
-                <a16:creationId xmlns="" xmlns:a16="http://schemas.microsoft.com/office/drawing/2014/main" id="{52D3AA81-8625-4D0D-ACA0-F2AEA2BA7C30}"/>
+                <a16:creationId xmlns:a16="http://schemas.microsoft.com/office/drawing/2014/main" xmlns="" id="{52D3AA81-8625-4D0D-ACA0-F2AEA2BA7C30}"/>
               </a:ext>
             </a:extLst>
           </p:cNvPr>
@@ -2742,7 +2742,7 @@
           <p:cNvPr id="8" name="바닥글 개체 틀 7">
             <a:extLst>
               <a:ext uri="{FF2B5EF4-FFF2-40B4-BE49-F238E27FC236}">
-                <a16:creationId xmlns="" xmlns:a16="http://schemas.microsoft.com/office/drawing/2014/main" id="{F9EDD344-4036-4B3F-AD8F-A6C8860968EA}"/>
+                <a16:creationId xmlns:a16="http://schemas.microsoft.com/office/drawing/2014/main" xmlns="" id="{F9EDD344-4036-4B3F-AD8F-A6C8860968EA}"/>
               </a:ext>
             </a:extLst>
           </p:cNvPr>
@@ -2767,7 +2767,7 @@
           <p:cNvPr id="9" name="슬라이드 번호 개체 틀 8">
             <a:extLst>
               <a:ext uri="{FF2B5EF4-FFF2-40B4-BE49-F238E27FC236}">
-                <a16:creationId xmlns="" xmlns:a16="http://schemas.microsoft.com/office/drawing/2014/main" id="{D57F7223-4400-475F-9175-61598EFA2B64}"/>
+                <a16:creationId xmlns:a16="http://schemas.microsoft.com/office/drawing/2014/main" xmlns="" id="{D57F7223-4400-475F-9175-61598EFA2B64}"/>
               </a:ext>
             </a:extLst>
           </p:cNvPr>
@@ -2826,7 +2826,7 @@
           <p:cNvPr id="2" name="제목 1">
             <a:extLst>
               <a:ext uri="{FF2B5EF4-FFF2-40B4-BE49-F238E27FC236}">
-                <a16:creationId xmlns="" xmlns:a16="http://schemas.microsoft.com/office/drawing/2014/main" id="{23D65FCC-6FE1-4E2F-9447-27BBE41A3475}"/>
+                <a16:creationId xmlns:a16="http://schemas.microsoft.com/office/drawing/2014/main" xmlns="" id="{23D65FCC-6FE1-4E2F-9447-27BBE41A3475}"/>
               </a:ext>
             </a:extLst>
           </p:cNvPr>
@@ -2854,7 +2854,7 @@
           <p:cNvPr id="3" name="날짜 개체 틀 2">
             <a:extLst>
               <a:ext uri="{FF2B5EF4-FFF2-40B4-BE49-F238E27FC236}">
-                <a16:creationId xmlns="" xmlns:a16="http://schemas.microsoft.com/office/drawing/2014/main" id="{64BCE8E2-0139-4ABB-94D1-FB5DCFCB3993}"/>
+                <a16:creationId xmlns:a16="http://schemas.microsoft.com/office/drawing/2014/main" xmlns="" id="{64BCE8E2-0139-4ABB-94D1-FB5DCFCB3993}"/>
               </a:ext>
             </a:extLst>
           </p:cNvPr>
@@ -2883,7 +2883,7 @@
           <p:cNvPr id="4" name="바닥글 개체 틀 3">
             <a:extLst>
               <a:ext uri="{FF2B5EF4-FFF2-40B4-BE49-F238E27FC236}">
-                <a16:creationId xmlns="" xmlns:a16="http://schemas.microsoft.com/office/drawing/2014/main" id="{1A3E9882-F4C8-44DB-9179-7DC6B7389174}"/>
+                <a16:creationId xmlns:a16="http://schemas.microsoft.com/office/drawing/2014/main" xmlns="" id="{1A3E9882-F4C8-44DB-9179-7DC6B7389174}"/>
               </a:ext>
             </a:extLst>
           </p:cNvPr>
@@ -2908,7 +2908,7 @@
           <p:cNvPr id="5" name="슬라이드 번호 개체 틀 4">
             <a:extLst>
               <a:ext uri="{FF2B5EF4-FFF2-40B4-BE49-F238E27FC236}">
-                <a16:creationId xmlns="" xmlns:a16="http://schemas.microsoft.com/office/drawing/2014/main" id="{5D2CC2D3-560E-40F3-807B-C43D9B4033CD}"/>
+                <a16:creationId xmlns:a16="http://schemas.microsoft.com/office/drawing/2014/main" xmlns="" id="{5D2CC2D3-560E-40F3-807B-C43D9B4033CD}"/>
               </a:ext>
             </a:extLst>
           </p:cNvPr>
@@ -2967,7 +2967,7 @@
           <p:cNvPr id="2" name="날짜 개체 틀 1">
             <a:extLst>
               <a:ext uri="{FF2B5EF4-FFF2-40B4-BE49-F238E27FC236}">
-                <a16:creationId xmlns="" xmlns:a16="http://schemas.microsoft.com/office/drawing/2014/main" id="{623F79A6-10E9-4484-863D-3777A5BA476B}"/>
+                <a16:creationId xmlns:a16="http://schemas.microsoft.com/office/drawing/2014/main" xmlns="" id="{623F79A6-10E9-4484-863D-3777A5BA476B}"/>
               </a:ext>
             </a:extLst>
           </p:cNvPr>
@@ -2996,7 +2996,7 @@
           <p:cNvPr id="3" name="바닥글 개체 틀 2">
             <a:extLst>
               <a:ext uri="{FF2B5EF4-FFF2-40B4-BE49-F238E27FC236}">
-                <a16:creationId xmlns="" xmlns:a16="http://schemas.microsoft.com/office/drawing/2014/main" id="{39A63E37-83F8-4952-8995-576054859591}"/>
+                <a16:creationId xmlns:a16="http://schemas.microsoft.com/office/drawing/2014/main" xmlns="" id="{39A63E37-83F8-4952-8995-576054859591}"/>
               </a:ext>
             </a:extLst>
           </p:cNvPr>
@@ -3021,7 +3021,7 @@
           <p:cNvPr id="4" name="슬라이드 번호 개체 틀 3">
             <a:extLst>
               <a:ext uri="{FF2B5EF4-FFF2-40B4-BE49-F238E27FC236}">
-                <a16:creationId xmlns="" xmlns:a16="http://schemas.microsoft.com/office/drawing/2014/main" id="{6B34FB12-A6BB-4113-8E40-D0BDA3E8CFB4}"/>
+                <a16:creationId xmlns:a16="http://schemas.microsoft.com/office/drawing/2014/main" xmlns="" id="{6B34FB12-A6BB-4113-8E40-D0BDA3E8CFB4}"/>
               </a:ext>
             </a:extLst>
           </p:cNvPr>
@@ -3080,7 +3080,7 @@
           <p:cNvPr id="2" name="제목 1">
             <a:extLst>
               <a:ext uri="{FF2B5EF4-FFF2-40B4-BE49-F238E27FC236}">
-                <a16:creationId xmlns="" xmlns:a16="http://schemas.microsoft.com/office/drawing/2014/main" id="{766F830C-2087-40BF-8498-FD41E03BF8A4}"/>
+                <a16:creationId xmlns:a16="http://schemas.microsoft.com/office/drawing/2014/main" xmlns="" id="{766F830C-2087-40BF-8498-FD41E03BF8A4}"/>
               </a:ext>
             </a:extLst>
           </p:cNvPr>
@@ -3117,7 +3117,7 @@
           <p:cNvPr id="3" name="내용 개체 틀 2">
             <a:extLst>
               <a:ext uri="{FF2B5EF4-FFF2-40B4-BE49-F238E27FC236}">
-                <a16:creationId xmlns="" xmlns:a16="http://schemas.microsoft.com/office/drawing/2014/main" id="{9A8A33CC-F61C-434A-A3A3-4E2B5C85A303}"/>
+                <a16:creationId xmlns:a16="http://schemas.microsoft.com/office/drawing/2014/main" xmlns="" id="{9A8A33CC-F61C-434A-A3A3-4E2B5C85A303}"/>
               </a:ext>
             </a:extLst>
           </p:cNvPr>
@@ -3207,7 +3207,7 @@
           <p:cNvPr id="4" name="텍스트 개체 틀 3">
             <a:extLst>
               <a:ext uri="{FF2B5EF4-FFF2-40B4-BE49-F238E27FC236}">
-                <a16:creationId xmlns="" xmlns:a16="http://schemas.microsoft.com/office/drawing/2014/main" id="{1FCC018E-13AD-4044-A75A-EBCB330FEB7E}"/>
+                <a16:creationId xmlns:a16="http://schemas.microsoft.com/office/drawing/2014/main" xmlns="" id="{1FCC018E-13AD-4044-A75A-EBCB330FEB7E}"/>
               </a:ext>
             </a:extLst>
           </p:cNvPr>
@@ -3278,7 +3278,7 @@
           <p:cNvPr id="5" name="날짜 개체 틀 4">
             <a:extLst>
               <a:ext uri="{FF2B5EF4-FFF2-40B4-BE49-F238E27FC236}">
-                <a16:creationId xmlns="" xmlns:a16="http://schemas.microsoft.com/office/drawing/2014/main" id="{38A88DAA-51B1-4936-B036-A8B37CD5A036}"/>
+                <a16:creationId xmlns:a16="http://schemas.microsoft.com/office/drawing/2014/main" xmlns="" id="{38A88DAA-51B1-4936-B036-A8B37CD5A036}"/>
               </a:ext>
             </a:extLst>
           </p:cNvPr>
@@ -3307,7 +3307,7 @@
           <p:cNvPr id="6" name="바닥글 개체 틀 5">
             <a:extLst>
               <a:ext uri="{FF2B5EF4-FFF2-40B4-BE49-F238E27FC236}">
-                <a16:creationId xmlns="" xmlns:a16="http://schemas.microsoft.com/office/drawing/2014/main" id="{858BAC2B-6835-472A-881B-28E363C3A013}"/>
+                <a16:creationId xmlns:a16="http://schemas.microsoft.com/office/drawing/2014/main" xmlns="" id="{858BAC2B-6835-472A-881B-28E363C3A013}"/>
               </a:ext>
             </a:extLst>
           </p:cNvPr>
@@ -3332,7 +3332,7 @@
           <p:cNvPr id="7" name="슬라이드 번호 개체 틀 6">
             <a:extLst>
               <a:ext uri="{FF2B5EF4-FFF2-40B4-BE49-F238E27FC236}">
-                <a16:creationId xmlns="" xmlns:a16="http://schemas.microsoft.com/office/drawing/2014/main" id="{70210D75-54F1-485D-AB7C-5B66E01D241D}"/>
+                <a16:creationId xmlns:a16="http://schemas.microsoft.com/office/drawing/2014/main" xmlns="" id="{70210D75-54F1-485D-AB7C-5B66E01D241D}"/>
               </a:ext>
             </a:extLst>
           </p:cNvPr>
@@ -3391,7 +3391,7 @@
           <p:cNvPr id="2" name="제목 1">
             <a:extLst>
               <a:ext uri="{FF2B5EF4-FFF2-40B4-BE49-F238E27FC236}">
-                <a16:creationId xmlns="" xmlns:a16="http://schemas.microsoft.com/office/drawing/2014/main" id="{5AB9635F-2EDE-4EC4-8E58-CE88E94920AD}"/>
+                <a16:creationId xmlns:a16="http://schemas.microsoft.com/office/drawing/2014/main" xmlns="" id="{5AB9635F-2EDE-4EC4-8E58-CE88E94920AD}"/>
               </a:ext>
             </a:extLst>
           </p:cNvPr>
@@ -3428,7 +3428,7 @@
           <p:cNvPr id="3" name="그림 개체 틀 2">
             <a:extLst>
               <a:ext uri="{FF2B5EF4-FFF2-40B4-BE49-F238E27FC236}">
-                <a16:creationId xmlns="" xmlns:a16="http://schemas.microsoft.com/office/drawing/2014/main" id="{F58C4F68-56AE-4948-A041-3BD458984626}"/>
+                <a16:creationId xmlns:a16="http://schemas.microsoft.com/office/drawing/2014/main" xmlns="" id="{F58C4F68-56AE-4948-A041-3BD458984626}"/>
               </a:ext>
             </a:extLst>
           </p:cNvPr>
@@ -3495,7 +3495,7 @@
           <p:cNvPr id="4" name="텍스트 개체 틀 3">
             <a:extLst>
               <a:ext uri="{FF2B5EF4-FFF2-40B4-BE49-F238E27FC236}">
-                <a16:creationId xmlns="" xmlns:a16="http://schemas.microsoft.com/office/drawing/2014/main" id="{B119A38D-80A6-4B24-827A-B39EE27CCE0A}"/>
+                <a16:creationId xmlns:a16="http://schemas.microsoft.com/office/drawing/2014/main" xmlns="" id="{B119A38D-80A6-4B24-827A-B39EE27CCE0A}"/>
               </a:ext>
             </a:extLst>
           </p:cNvPr>
@@ -3566,7 +3566,7 @@
           <p:cNvPr id="5" name="날짜 개체 틀 4">
             <a:extLst>
               <a:ext uri="{FF2B5EF4-FFF2-40B4-BE49-F238E27FC236}">
-                <a16:creationId xmlns="" xmlns:a16="http://schemas.microsoft.com/office/drawing/2014/main" id="{4913E1BA-22BE-4ADE-A608-E4580DFF3B24}"/>
+                <a16:creationId xmlns:a16="http://schemas.microsoft.com/office/drawing/2014/main" xmlns="" id="{4913E1BA-22BE-4ADE-A608-E4580DFF3B24}"/>
               </a:ext>
             </a:extLst>
           </p:cNvPr>
@@ -3595,7 +3595,7 @@
           <p:cNvPr id="6" name="바닥글 개체 틀 5">
             <a:extLst>
               <a:ext uri="{FF2B5EF4-FFF2-40B4-BE49-F238E27FC236}">
-                <a16:creationId xmlns="" xmlns:a16="http://schemas.microsoft.com/office/drawing/2014/main" id="{1D24FBBB-D9B5-462D-8B42-797C793FDBCB}"/>
+                <a16:creationId xmlns:a16="http://schemas.microsoft.com/office/drawing/2014/main" xmlns="" id="{1D24FBBB-D9B5-462D-8B42-797C793FDBCB}"/>
               </a:ext>
             </a:extLst>
           </p:cNvPr>
@@ -3620,7 +3620,7 @@
           <p:cNvPr id="7" name="슬라이드 번호 개체 틀 6">
             <a:extLst>
               <a:ext uri="{FF2B5EF4-FFF2-40B4-BE49-F238E27FC236}">
-                <a16:creationId xmlns="" xmlns:a16="http://schemas.microsoft.com/office/drawing/2014/main" id="{C81E33CA-C334-4F02-9681-D6DFEE085299}"/>
+                <a16:creationId xmlns:a16="http://schemas.microsoft.com/office/drawing/2014/main" xmlns="" id="{C81E33CA-C334-4F02-9681-D6DFEE085299}"/>
               </a:ext>
             </a:extLst>
           </p:cNvPr>
@@ -3684,7 +3684,7 @@
           <p:cNvPr id="2" name="제목 개체 틀 1">
             <a:extLst>
               <a:ext uri="{FF2B5EF4-FFF2-40B4-BE49-F238E27FC236}">
-                <a16:creationId xmlns="" xmlns:a16="http://schemas.microsoft.com/office/drawing/2014/main" id="{969F8742-7E1F-41EC-B8C1-0584C2FEFF27}"/>
+                <a16:creationId xmlns:a16="http://schemas.microsoft.com/office/drawing/2014/main" xmlns="" id="{969F8742-7E1F-41EC-B8C1-0584C2FEFF27}"/>
               </a:ext>
             </a:extLst>
           </p:cNvPr>
@@ -3722,7 +3722,7 @@
           <p:cNvPr id="3" name="텍스트 개체 틀 2">
             <a:extLst>
               <a:ext uri="{FF2B5EF4-FFF2-40B4-BE49-F238E27FC236}">
-                <a16:creationId xmlns="" xmlns:a16="http://schemas.microsoft.com/office/drawing/2014/main" id="{7CDE2931-A4C0-446C-AA7A-EF47DE01E6C5}"/>
+                <a16:creationId xmlns:a16="http://schemas.microsoft.com/office/drawing/2014/main" xmlns="" id="{7CDE2931-A4C0-446C-AA7A-EF47DE01E6C5}"/>
               </a:ext>
             </a:extLst>
           </p:cNvPr>
@@ -3789,7 +3789,7 @@
           <p:cNvPr id="4" name="날짜 개체 틀 3">
             <a:extLst>
               <a:ext uri="{FF2B5EF4-FFF2-40B4-BE49-F238E27FC236}">
-                <a16:creationId xmlns="" xmlns:a16="http://schemas.microsoft.com/office/drawing/2014/main" id="{68AC9354-3EE4-4D82-B080-DAB6B5C75EBB}"/>
+                <a16:creationId xmlns:a16="http://schemas.microsoft.com/office/drawing/2014/main" xmlns="" id="{68AC9354-3EE4-4D82-B080-DAB6B5C75EBB}"/>
               </a:ext>
             </a:extLst>
           </p:cNvPr>
@@ -3836,7 +3836,7 @@
           <p:cNvPr id="5" name="바닥글 개체 틀 4">
             <a:extLst>
               <a:ext uri="{FF2B5EF4-FFF2-40B4-BE49-F238E27FC236}">
-                <a16:creationId xmlns="" xmlns:a16="http://schemas.microsoft.com/office/drawing/2014/main" id="{6F4F6028-4076-4681-A219-BC6E659A4210}"/>
+                <a16:creationId xmlns:a16="http://schemas.microsoft.com/office/drawing/2014/main" xmlns="" id="{6F4F6028-4076-4681-A219-BC6E659A4210}"/>
               </a:ext>
             </a:extLst>
           </p:cNvPr>
@@ -3879,7 +3879,7 @@
           <p:cNvPr id="6" name="슬라이드 번호 개체 틀 5">
             <a:extLst>
               <a:ext uri="{FF2B5EF4-FFF2-40B4-BE49-F238E27FC236}">
-                <a16:creationId xmlns="" xmlns:a16="http://schemas.microsoft.com/office/drawing/2014/main" id="{9B9B7C7E-7689-4C39-A2DD-C3D5771D0833}"/>
+                <a16:creationId xmlns:a16="http://schemas.microsoft.com/office/drawing/2014/main" xmlns="" id="{9B9B7C7E-7689-4C39-A2DD-C3D5771D0833}"/>
               </a:ext>
             </a:extLst>
           </p:cNvPr>
@@ -4501,7 +4501,7 @@
           <p:cNvPr id="7" name="직사각형 6">
             <a:extLst>
               <a:ext uri="{FF2B5EF4-FFF2-40B4-BE49-F238E27FC236}">
-                <a16:creationId xmlns="" xmlns:a16="http://schemas.microsoft.com/office/drawing/2014/main" id="{8A867188-B63B-4F3E-9B0A-85050E472F89}"/>
+                <a16:creationId xmlns:a16="http://schemas.microsoft.com/office/drawing/2014/main" xmlns="" id="{8A867188-B63B-4F3E-9B0A-85050E472F89}"/>
               </a:ext>
             </a:extLst>
           </p:cNvPr>
@@ -4647,7 +4647,7 @@
           <p:cNvPr id="8" name="직선 연결선 7">
             <a:extLst>
               <a:ext uri="{FF2B5EF4-FFF2-40B4-BE49-F238E27FC236}">
-                <a16:creationId xmlns="" xmlns:a16="http://schemas.microsoft.com/office/drawing/2014/main" id="{9E1390A9-09A1-488E-97C3-A6744285DA8D}"/>
+                <a16:creationId xmlns:a16="http://schemas.microsoft.com/office/drawing/2014/main" xmlns="" id="{9E1390A9-09A1-488E-97C3-A6744285DA8D}"/>
               </a:ext>
             </a:extLst>
           </p:cNvPr>
@@ -4690,7 +4690,7 @@
           <p:cNvPr id="9" name="직선 연결선 8">
             <a:extLst>
               <a:ext uri="{FF2B5EF4-FFF2-40B4-BE49-F238E27FC236}">
-                <a16:creationId xmlns="" xmlns:a16="http://schemas.microsoft.com/office/drawing/2014/main" id="{7D3B1FA3-C211-4639-A9D3-7296054C3AA0}"/>
+                <a16:creationId xmlns:a16="http://schemas.microsoft.com/office/drawing/2014/main" xmlns="" id="{7D3B1FA3-C211-4639-A9D3-7296054C3AA0}"/>
               </a:ext>
             </a:extLst>
           </p:cNvPr>
@@ -4733,7 +4733,7 @@
           <p:cNvPr id="10" name="직사각형 9">
             <a:extLst>
               <a:ext uri="{FF2B5EF4-FFF2-40B4-BE49-F238E27FC236}">
-                <a16:creationId xmlns="" xmlns:a16="http://schemas.microsoft.com/office/drawing/2014/main" id="{257EB845-5FE3-43CB-90A5-91FDE3E2F0AA}"/>
+                <a16:creationId xmlns:a16="http://schemas.microsoft.com/office/drawing/2014/main" xmlns="" id="{257EB845-5FE3-43CB-90A5-91FDE3E2F0AA}"/>
               </a:ext>
             </a:extLst>
           </p:cNvPr>
@@ -4905,7 +4905,7 @@
           <p:cNvPr id="14" name="TextBox 30">
             <a:extLst>
               <a:ext uri="{FF2B5EF4-FFF2-40B4-BE49-F238E27FC236}">
-                <a16:creationId xmlns="" xmlns:a16="http://schemas.microsoft.com/office/drawing/2014/main" id="{83666B2E-8D70-48C1-985E-EB2D8FF02887}"/>
+                <a16:creationId xmlns:a16="http://schemas.microsoft.com/office/drawing/2014/main" xmlns="" id="{83666B2E-8D70-48C1-985E-EB2D8FF02887}"/>
               </a:ext>
             </a:extLst>
           </p:cNvPr>
@@ -5109,7 +5109,7 @@
           <p:cNvPr id="6" name="텍스트 개체 틀 15">
             <a:extLst>
               <a:ext uri="{FF2B5EF4-FFF2-40B4-BE49-F238E27FC236}">
-                <a16:creationId xmlns="" xmlns:a16="http://schemas.microsoft.com/office/drawing/2014/main" id="{93FBF660-2314-43F1-9FB5-92596CFC6440}"/>
+                <a16:creationId xmlns:a16="http://schemas.microsoft.com/office/drawing/2014/main" xmlns="" id="{93FBF660-2314-43F1-9FB5-92596CFC6440}"/>
               </a:ext>
             </a:extLst>
           </p:cNvPr>
@@ -5149,7 +5149,7 @@
           <p:cNvPr id="7" name="제목 14">
             <a:extLst>
               <a:ext uri="{FF2B5EF4-FFF2-40B4-BE49-F238E27FC236}">
-                <a16:creationId xmlns="" xmlns:a16="http://schemas.microsoft.com/office/drawing/2014/main" id="{5C97C008-04D9-4F1D-875B-C27D47EA2AB9}"/>
+                <a16:creationId xmlns:a16="http://schemas.microsoft.com/office/drawing/2014/main" xmlns="" id="{5C97C008-04D9-4F1D-875B-C27D47EA2AB9}"/>
               </a:ext>
             </a:extLst>
           </p:cNvPr>
@@ -5185,7 +5185,7 @@
           <p:cNvPr id="10" name="직사각형 9">
             <a:extLst>
               <a:ext uri="{FF2B5EF4-FFF2-40B4-BE49-F238E27FC236}">
-                <a16:creationId xmlns="" xmlns:a16="http://schemas.microsoft.com/office/drawing/2014/main" id="{358BD451-710A-448A-817A-85C12101B467}"/>
+                <a16:creationId xmlns:a16="http://schemas.microsoft.com/office/drawing/2014/main" xmlns="" id="{358BD451-710A-448A-817A-85C12101B467}"/>
               </a:ext>
             </a:extLst>
           </p:cNvPr>
@@ -5331,7 +5331,7 @@
           <p:cNvPr id="11" name="직선 연결선 10">
             <a:extLst>
               <a:ext uri="{FF2B5EF4-FFF2-40B4-BE49-F238E27FC236}">
-                <a16:creationId xmlns="" xmlns:a16="http://schemas.microsoft.com/office/drawing/2014/main" id="{B246DDA7-8F10-4FB2-A542-8C5FCB83B691}"/>
+                <a16:creationId xmlns:a16="http://schemas.microsoft.com/office/drawing/2014/main" xmlns="" id="{B246DDA7-8F10-4FB2-A542-8C5FCB83B691}"/>
               </a:ext>
             </a:extLst>
           </p:cNvPr>
@@ -5374,7 +5374,7 @@
           <p:cNvPr id="12" name="직선 연결선 11">
             <a:extLst>
               <a:ext uri="{FF2B5EF4-FFF2-40B4-BE49-F238E27FC236}">
-                <a16:creationId xmlns="" xmlns:a16="http://schemas.microsoft.com/office/drawing/2014/main" id="{20D135C1-5590-4525-AB25-BD6A51CBB4F1}"/>
+                <a16:creationId xmlns:a16="http://schemas.microsoft.com/office/drawing/2014/main" xmlns="" id="{20D135C1-5590-4525-AB25-BD6A51CBB4F1}"/>
               </a:ext>
             </a:extLst>
           </p:cNvPr>
@@ -5417,7 +5417,7 @@
           <p:cNvPr id="13" name="직사각형 12">
             <a:extLst>
               <a:ext uri="{FF2B5EF4-FFF2-40B4-BE49-F238E27FC236}">
-                <a16:creationId xmlns="" xmlns:a16="http://schemas.microsoft.com/office/drawing/2014/main" id="{02433713-A8C4-443E-883F-27E14934E7F6}"/>
+                <a16:creationId xmlns:a16="http://schemas.microsoft.com/office/drawing/2014/main" xmlns="" id="{02433713-A8C4-443E-883F-27E14934E7F6}"/>
               </a:ext>
             </a:extLst>
           </p:cNvPr>
@@ -5589,7 +5589,7 @@
           <p:cNvPr id="14" name="직사각형 13">
             <a:extLst>
               <a:ext uri="{FF2B5EF4-FFF2-40B4-BE49-F238E27FC236}">
-                <a16:creationId xmlns="" xmlns:a16="http://schemas.microsoft.com/office/drawing/2014/main" id="{39F82948-4A1E-42AD-8DD0-91F016F2137E}"/>
+                <a16:creationId xmlns:a16="http://schemas.microsoft.com/office/drawing/2014/main" xmlns="" id="{39F82948-4A1E-42AD-8DD0-91F016F2137E}"/>
               </a:ext>
             </a:extLst>
           </p:cNvPr>
@@ -5761,7 +5761,7 @@
           <p:cNvPr id="15" name="TextBox 30">
             <a:extLst>
               <a:ext uri="{FF2B5EF4-FFF2-40B4-BE49-F238E27FC236}">
-                <a16:creationId xmlns="" xmlns:a16="http://schemas.microsoft.com/office/drawing/2014/main" id="{B7452482-C982-42C9-A293-4CEBACC296B4}"/>
+                <a16:creationId xmlns:a16="http://schemas.microsoft.com/office/drawing/2014/main" xmlns="" id="{B7452482-C982-42C9-A293-4CEBACC296B4}"/>
               </a:ext>
             </a:extLst>
           </p:cNvPr>
@@ -5925,7 +5925,7 @@
           <p:cNvPr id="16" name="TextBox 33">
             <a:extLst>
               <a:ext uri="{FF2B5EF4-FFF2-40B4-BE49-F238E27FC236}">
-                <a16:creationId xmlns="" xmlns:a16="http://schemas.microsoft.com/office/drawing/2014/main" id="{56217A4D-077F-4E31-A767-5D99307F8DE5}"/>
+                <a16:creationId xmlns:a16="http://schemas.microsoft.com/office/drawing/2014/main" xmlns="" id="{56217A4D-077F-4E31-A767-5D99307F8DE5}"/>
               </a:ext>
             </a:extLst>
           </p:cNvPr>
@@ -6307,7 +6307,7 @@
           <p:cNvPr id="7" name="직사각형 6">
             <a:extLst>
               <a:ext uri="{FF2B5EF4-FFF2-40B4-BE49-F238E27FC236}">
-                <a16:creationId xmlns="" xmlns:a16="http://schemas.microsoft.com/office/drawing/2014/main" id="{8A867188-B63B-4F3E-9B0A-85050E472F89}"/>
+                <a16:creationId xmlns:a16="http://schemas.microsoft.com/office/drawing/2014/main" xmlns="" id="{8A867188-B63B-4F3E-9B0A-85050E472F89}"/>
               </a:ext>
             </a:extLst>
           </p:cNvPr>
@@ -6453,7 +6453,7 @@
           <p:cNvPr id="8" name="직선 연결선 7">
             <a:extLst>
               <a:ext uri="{FF2B5EF4-FFF2-40B4-BE49-F238E27FC236}">
-                <a16:creationId xmlns="" xmlns:a16="http://schemas.microsoft.com/office/drawing/2014/main" id="{9E1390A9-09A1-488E-97C3-A6744285DA8D}"/>
+                <a16:creationId xmlns:a16="http://schemas.microsoft.com/office/drawing/2014/main" xmlns="" id="{9E1390A9-09A1-488E-97C3-A6744285DA8D}"/>
               </a:ext>
             </a:extLst>
           </p:cNvPr>
@@ -6496,7 +6496,7 @@
           <p:cNvPr id="9" name="직선 연결선 8">
             <a:extLst>
               <a:ext uri="{FF2B5EF4-FFF2-40B4-BE49-F238E27FC236}">
-                <a16:creationId xmlns="" xmlns:a16="http://schemas.microsoft.com/office/drawing/2014/main" id="{7D3B1FA3-C211-4639-A9D3-7296054C3AA0}"/>
+                <a16:creationId xmlns:a16="http://schemas.microsoft.com/office/drawing/2014/main" xmlns="" id="{7D3B1FA3-C211-4639-A9D3-7296054C3AA0}"/>
               </a:ext>
             </a:extLst>
           </p:cNvPr>
@@ -6539,7 +6539,7 @@
           <p:cNvPr id="10" name="직사각형 9">
             <a:extLst>
               <a:ext uri="{FF2B5EF4-FFF2-40B4-BE49-F238E27FC236}">
-                <a16:creationId xmlns="" xmlns:a16="http://schemas.microsoft.com/office/drawing/2014/main" id="{257EB845-5FE3-43CB-90A5-91FDE3E2F0AA}"/>
+                <a16:creationId xmlns:a16="http://schemas.microsoft.com/office/drawing/2014/main" xmlns="" id="{257EB845-5FE3-43CB-90A5-91FDE3E2F0AA}"/>
               </a:ext>
             </a:extLst>
           </p:cNvPr>
@@ -6711,7 +6711,7 @@
           <p:cNvPr id="11" name="직사각형 10">
             <a:extLst>
               <a:ext uri="{FF2B5EF4-FFF2-40B4-BE49-F238E27FC236}">
-                <a16:creationId xmlns="" xmlns:a16="http://schemas.microsoft.com/office/drawing/2014/main" id="{0917A04C-9C49-45DE-B878-547706476A72}"/>
+                <a16:creationId xmlns:a16="http://schemas.microsoft.com/office/drawing/2014/main" xmlns="" id="{0917A04C-9C49-45DE-B878-547706476A72}"/>
               </a:ext>
             </a:extLst>
           </p:cNvPr>
@@ -6883,7 +6883,7 @@
           <p:cNvPr id="13" name="직사각형 12">
             <a:extLst>
               <a:ext uri="{FF2B5EF4-FFF2-40B4-BE49-F238E27FC236}">
-                <a16:creationId xmlns="" xmlns:a16="http://schemas.microsoft.com/office/drawing/2014/main" id="{655CC3E4-35FA-4CD4-853B-AEFD7FF401C7}"/>
+                <a16:creationId xmlns:a16="http://schemas.microsoft.com/office/drawing/2014/main" xmlns="" id="{655CC3E4-35FA-4CD4-853B-AEFD7FF401C7}"/>
               </a:ext>
             </a:extLst>
           </p:cNvPr>
@@ -7055,7 +7055,7 @@
           <p:cNvPr id="14" name="TextBox 30">
             <a:extLst>
               <a:ext uri="{FF2B5EF4-FFF2-40B4-BE49-F238E27FC236}">
-                <a16:creationId xmlns="" xmlns:a16="http://schemas.microsoft.com/office/drawing/2014/main" id="{83666B2E-8D70-48C1-985E-EB2D8FF02887}"/>
+                <a16:creationId xmlns:a16="http://schemas.microsoft.com/office/drawing/2014/main" xmlns="" id="{83666B2E-8D70-48C1-985E-EB2D8FF02887}"/>
               </a:ext>
             </a:extLst>
           </p:cNvPr>
@@ -7219,7 +7219,7 @@
           <p:cNvPr id="19" name="TextBox 33">
             <a:extLst>
               <a:ext uri="{FF2B5EF4-FFF2-40B4-BE49-F238E27FC236}">
-                <a16:creationId xmlns="" xmlns:a16="http://schemas.microsoft.com/office/drawing/2014/main" id="{98521BC9-F98E-4C44-B653-882C483076E2}"/>
+                <a16:creationId xmlns:a16="http://schemas.microsoft.com/office/drawing/2014/main" xmlns="" id="{98521BC9-F98E-4C44-B653-882C483076E2}"/>
               </a:ext>
             </a:extLst>
           </p:cNvPr>
@@ -7507,7 +7507,7 @@
           <p:cNvPr id="22" name="TextBox 30">
             <a:extLst>
               <a:ext uri="{FF2B5EF4-FFF2-40B4-BE49-F238E27FC236}">
-                <a16:creationId xmlns="" xmlns:a16="http://schemas.microsoft.com/office/drawing/2014/main" id="{AA9568B9-AC91-4C93-AE32-47B6282F4E10}"/>
+                <a16:creationId xmlns:a16="http://schemas.microsoft.com/office/drawing/2014/main" xmlns="" id="{AA9568B9-AC91-4C93-AE32-47B6282F4E10}"/>
               </a:ext>
             </a:extLst>
           </p:cNvPr>
@@ -7713,7 +7713,7 @@
           <p:cNvPr id="2" name="직사각형 1">
             <a:extLst>
               <a:ext uri="{FF2B5EF4-FFF2-40B4-BE49-F238E27FC236}">
-                <a16:creationId xmlns="" xmlns:a16="http://schemas.microsoft.com/office/drawing/2014/main" id="{A1FAB35B-C8A6-4C58-B53B-4EC0574558D8}"/>
+                <a16:creationId xmlns:a16="http://schemas.microsoft.com/office/drawing/2014/main" xmlns="" id="{A1FAB35B-C8A6-4C58-B53B-4EC0574558D8}"/>
               </a:ext>
             </a:extLst>
           </p:cNvPr>
@@ -7859,7 +7859,7 @@
           <p:cNvPr id="7" name="직사각형 6">
             <a:extLst>
               <a:ext uri="{FF2B5EF4-FFF2-40B4-BE49-F238E27FC236}">
-                <a16:creationId xmlns="" xmlns:a16="http://schemas.microsoft.com/office/drawing/2014/main" id="{8A867188-B63B-4F3E-9B0A-85050E472F89}"/>
+                <a16:creationId xmlns:a16="http://schemas.microsoft.com/office/drawing/2014/main" xmlns="" id="{8A867188-B63B-4F3E-9B0A-85050E472F89}"/>
               </a:ext>
             </a:extLst>
           </p:cNvPr>
@@ -8005,7 +8005,7 @@
           <p:cNvPr id="8" name="직선 연결선 7">
             <a:extLst>
               <a:ext uri="{FF2B5EF4-FFF2-40B4-BE49-F238E27FC236}">
-                <a16:creationId xmlns="" xmlns:a16="http://schemas.microsoft.com/office/drawing/2014/main" id="{9E1390A9-09A1-488E-97C3-A6744285DA8D}"/>
+                <a16:creationId xmlns:a16="http://schemas.microsoft.com/office/drawing/2014/main" xmlns="" id="{9E1390A9-09A1-488E-97C3-A6744285DA8D}"/>
               </a:ext>
             </a:extLst>
           </p:cNvPr>
@@ -8048,7 +8048,7 @@
           <p:cNvPr id="9" name="직선 연결선 8">
             <a:extLst>
               <a:ext uri="{FF2B5EF4-FFF2-40B4-BE49-F238E27FC236}">
-                <a16:creationId xmlns="" xmlns:a16="http://schemas.microsoft.com/office/drawing/2014/main" id="{7D3B1FA3-C211-4639-A9D3-7296054C3AA0}"/>
+                <a16:creationId xmlns:a16="http://schemas.microsoft.com/office/drawing/2014/main" xmlns="" id="{7D3B1FA3-C211-4639-A9D3-7296054C3AA0}"/>
               </a:ext>
             </a:extLst>
           </p:cNvPr>
@@ -8091,7 +8091,7 @@
           <p:cNvPr id="10" name="직사각형 9">
             <a:extLst>
               <a:ext uri="{FF2B5EF4-FFF2-40B4-BE49-F238E27FC236}">
-                <a16:creationId xmlns="" xmlns:a16="http://schemas.microsoft.com/office/drawing/2014/main" id="{257EB845-5FE3-43CB-90A5-91FDE3E2F0AA}"/>
+                <a16:creationId xmlns:a16="http://schemas.microsoft.com/office/drawing/2014/main" xmlns="" id="{257EB845-5FE3-43CB-90A5-91FDE3E2F0AA}"/>
               </a:ext>
             </a:extLst>
           </p:cNvPr>
@@ -8263,7 +8263,7 @@
           <p:cNvPr id="11" name="직사각형 10">
             <a:extLst>
               <a:ext uri="{FF2B5EF4-FFF2-40B4-BE49-F238E27FC236}">
-                <a16:creationId xmlns="" xmlns:a16="http://schemas.microsoft.com/office/drawing/2014/main" id="{0917A04C-9C49-45DE-B878-547706476A72}"/>
+                <a16:creationId xmlns:a16="http://schemas.microsoft.com/office/drawing/2014/main" xmlns="" id="{0917A04C-9C49-45DE-B878-547706476A72}"/>
               </a:ext>
             </a:extLst>
           </p:cNvPr>
@@ -8435,7 +8435,7 @@
           <p:cNvPr id="12" name="직사각형 11">
             <a:extLst>
               <a:ext uri="{FF2B5EF4-FFF2-40B4-BE49-F238E27FC236}">
-                <a16:creationId xmlns="" xmlns:a16="http://schemas.microsoft.com/office/drawing/2014/main" id="{9D1ACA91-9F48-4F9C-9602-0AD8C9B128C9}"/>
+                <a16:creationId xmlns:a16="http://schemas.microsoft.com/office/drawing/2014/main" xmlns="" id="{9D1ACA91-9F48-4F9C-9602-0AD8C9B128C9}"/>
               </a:ext>
             </a:extLst>
           </p:cNvPr>
@@ -8607,7 +8607,7 @@
           <p:cNvPr id="13" name="직사각형 12">
             <a:extLst>
               <a:ext uri="{FF2B5EF4-FFF2-40B4-BE49-F238E27FC236}">
-                <a16:creationId xmlns="" xmlns:a16="http://schemas.microsoft.com/office/drawing/2014/main" id="{655CC3E4-35FA-4CD4-853B-AEFD7FF401C7}"/>
+                <a16:creationId xmlns:a16="http://schemas.microsoft.com/office/drawing/2014/main" xmlns="" id="{655CC3E4-35FA-4CD4-853B-AEFD7FF401C7}"/>
               </a:ext>
             </a:extLst>
           </p:cNvPr>
@@ -8779,7 +8779,7 @@
           <p:cNvPr id="14" name="TextBox 30">
             <a:extLst>
               <a:ext uri="{FF2B5EF4-FFF2-40B4-BE49-F238E27FC236}">
-                <a16:creationId xmlns="" xmlns:a16="http://schemas.microsoft.com/office/drawing/2014/main" id="{83666B2E-8D70-48C1-985E-EB2D8FF02887}"/>
+                <a16:creationId xmlns:a16="http://schemas.microsoft.com/office/drawing/2014/main" xmlns="" id="{83666B2E-8D70-48C1-985E-EB2D8FF02887}"/>
               </a:ext>
             </a:extLst>
           </p:cNvPr>
@@ -8943,7 +8943,7 @@
           <p:cNvPr id="19" name="TextBox 33">
             <a:extLst>
               <a:ext uri="{FF2B5EF4-FFF2-40B4-BE49-F238E27FC236}">
-                <a16:creationId xmlns="" xmlns:a16="http://schemas.microsoft.com/office/drawing/2014/main" id="{98521BC9-F98E-4C44-B653-882C483076E2}"/>
+                <a16:creationId xmlns:a16="http://schemas.microsoft.com/office/drawing/2014/main" xmlns="" id="{98521BC9-F98E-4C44-B653-882C483076E2}"/>
               </a:ext>
             </a:extLst>
           </p:cNvPr>
@@ -9231,7 +9231,7 @@
           <p:cNvPr id="20" name="TextBox 34">
             <a:extLst>
               <a:ext uri="{FF2B5EF4-FFF2-40B4-BE49-F238E27FC236}">
-                <a16:creationId xmlns="" xmlns:a16="http://schemas.microsoft.com/office/drawing/2014/main" id="{D936258A-CA4E-4CD3-9853-0F00D9554344}"/>
+                <a16:creationId xmlns:a16="http://schemas.microsoft.com/office/drawing/2014/main" xmlns="" id="{D936258A-CA4E-4CD3-9853-0F00D9554344}"/>
               </a:ext>
             </a:extLst>
           </p:cNvPr>
@@ -9519,7 +9519,7 @@
           <p:cNvPr id="22" name="TextBox 30">
             <a:extLst>
               <a:ext uri="{FF2B5EF4-FFF2-40B4-BE49-F238E27FC236}">
-                <a16:creationId xmlns="" xmlns:a16="http://schemas.microsoft.com/office/drawing/2014/main" id="{AA9568B9-AC91-4C93-AE32-47B6282F4E10}"/>
+                <a16:creationId xmlns:a16="http://schemas.microsoft.com/office/drawing/2014/main" xmlns="" id="{AA9568B9-AC91-4C93-AE32-47B6282F4E10}"/>
               </a:ext>
             </a:extLst>
           </p:cNvPr>
@@ -14636,7 +14636,7 @@
           <p:cNvPr id="3" name="그림 2">
             <a:extLst>
               <a:ext uri="{FF2B5EF4-FFF2-40B4-BE49-F238E27FC236}">
-                <a16:creationId xmlns="" xmlns:a16="http://schemas.microsoft.com/office/drawing/2014/main" id="{894D40F0-5CE6-42AF-B3F5-B26977ED9290}"/>
+                <a16:creationId xmlns:a16="http://schemas.microsoft.com/office/drawing/2014/main" xmlns="" id="{894D40F0-5CE6-42AF-B3F5-B26977ED9290}"/>
               </a:ext>
             </a:extLst>
           </p:cNvPr>
@@ -14671,7 +14671,7 @@
           <p:cNvPr id="5" name="그림 4">
             <a:extLst>
               <a:ext uri="{FF2B5EF4-FFF2-40B4-BE49-F238E27FC236}">
-                <a16:creationId xmlns="" xmlns:a16="http://schemas.microsoft.com/office/drawing/2014/main" id="{05E41EBD-BFCE-4099-BB13-7A73ED48956C}"/>
+                <a16:creationId xmlns:a16="http://schemas.microsoft.com/office/drawing/2014/main" xmlns="" id="{05E41EBD-BFCE-4099-BB13-7A73ED48956C}"/>
               </a:ext>
             </a:extLst>
           </p:cNvPr>
@@ -14706,7 +14706,7 @@
           <p:cNvPr id="67" name="그림 66">
             <a:extLst>
               <a:ext uri="{FF2B5EF4-FFF2-40B4-BE49-F238E27FC236}">
-                <a16:creationId xmlns="" xmlns:a16="http://schemas.microsoft.com/office/drawing/2014/main" id="{8B081800-4541-4B1F-BDAD-F114D3344084}"/>
+                <a16:creationId xmlns:a16="http://schemas.microsoft.com/office/drawing/2014/main" xmlns="" id="{8B081800-4541-4B1F-BDAD-F114D3344084}"/>
               </a:ext>
             </a:extLst>
           </p:cNvPr>
@@ -15019,7 +15019,7 @@
                 <a:latin typeface="나눔고딕" panose="020D0604000000000000" pitchFamily="50" charset="-127"/>
                 <a:ea typeface="나눔고딕" panose="020D0604000000000000" pitchFamily="50" charset="-127"/>
               </a:rPr>
-              <a:t>client</a:t>
+              <a:t>WEB</a:t>
             </a:r>
             <a:endParaRPr lang="ko-KR" altLang="en-US" dirty="0">
               <a:ln>
@@ -15389,7 +15389,7 @@
                 <a:latin typeface="나눔고딕" panose="020D0604000000000000" pitchFamily="50" charset="-127"/>
                 <a:ea typeface="나눔고딕" panose="020D0604000000000000" pitchFamily="50" charset="-127"/>
               </a:rPr>
-              <a:t>server</a:t>
+              <a:t>SERVER</a:t>
             </a:r>
             <a:endParaRPr lang="ko-KR" altLang="en-US" dirty="0">
               <a:ln>
@@ -15627,7 +15627,7 @@
           <a:lstStyle/>
           <a:p>
             <a:r>
-              <a:rPr lang="en-US" altLang="ko-KR" smtClean="0">
+              <a:rPr lang="en-US" altLang="ko-KR">
                 <a:ln>
                   <a:solidFill>
                     <a:schemeClr val="tx1">
@@ -15646,7 +15646,7 @@
                 <a:latin typeface="나눔고딕" panose="020D0604000000000000" pitchFamily="50" charset="-127"/>
                 <a:ea typeface="나눔고딕" panose="020D0604000000000000" pitchFamily="50" charset="-127"/>
               </a:rPr>
-              <a:t>client</a:t>
+              <a:t>WEB</a:t>
             </a:r>
             <a:endParaRPr lang="ko-KR" altLang="en-US" dirty="0">
               <a:ln>
@@ -15712,7 +15712,7 @@
                 <a:latin typeface="나눔고딕" panose="020D0604000000000000" pitchFamily="50" charset="-127"/>
                 <a:ea typeface="나눔고딕" panose="020D0604000000000000" pitchFamily="50" charset="-127"/>
               </a:rPr>
-              <a:t>server</a:t>
+              <a:t>SERVER</a:t>
             </a:r>
             <a:endParaRPr lang="ko-KR" altLang="en-US" dirty="0">
               <a:ln>
@@ -16308,7 +16308,7 @@
                 <a:latin typeface="나눔고딕" panose="020D0604000000000000" pitchFamily="50" charset="-127"/>
                 <a:ea typeface="나눔고딕" panose="020D0604000000000000" pitchFamily="50" charset="-127"/>
               </a:rPr>
-              <a:t>client</a:t>
+              <a:t>WEB</a:t>
             </a:r>
             <a:endParaRPr lang="ko-KR" altLang="en-US" dirty="0">
               <a:ln>
@@ -16374,7 +16374,7 @@
                 <a:latin typeface="나눔고딕" panose="020D0604000000000000" pitchFamily="50" charset="-127"/>
                 <a:ea typeface="나눔고딕" panose="020D0604000000000000" pitchFamily="50" charset="-127"/>
               </a:rPr>
-              <a:t>server</a:t>
+              <a:t>SERVER</a:t>
             </a:r>
             <a:endParaRPr lang="ko-KR" altLang="en-US" dirty="0">
               <a:ln>
@@ -16940,7 +16940,7 @@
                 <a:latin typeface="나눔고딕" panose="020D0604000000000000" pitchFamily="50" charset="-127"/>
                 <a:ea typeface="나눔고딕" panose="020D0604000000000000" pitchFamily="50" charset="-127"/>
               </a:rPr>
-              <a:t>client</a:t>
+              <a:t>WEB</a:t>
             </a:r>
             <a:endParaRPr lang="ko-KR" altLang="en-US" dirty="0">
               <a:ln>
@@ -17006,7 +17006,7 @@
                 <a:latin typeface="나눔고딕" panose="020D0604000000000000" pitchFamily="50" charset="-127"/>
                 <a:ea typeface="나눔고딕" panose="020D0604000000000000" pitchFamily="50" charset="-127"/>
               </a:rPr>
-              <a:t>server</a:t>
+              <a:t>WERVER</a:t>
             </a:r>
             <a:endParaRPr lang="ko-KR" altLang="en-US" dirty="0">
               <a:ln>
@@ -17356,7 +17356,7 @@
         </p:blipFill>
         <p:spPr>
           <a:xfrm>
-            <a:off x="5958627" y="4235882"/>
+            <a:off x="5999172" y="4123693"/>
             <a:ext cx="359795" cy="359795"/>
           </a:xfrm>
           <a:prstGeom prst="rect">
@@ -18637,10 +18637,16 @@
           <a:lstStyle/>
           <a:p>
             <a:r>
-              <a:rPr lang="en-US" altLang="ko-KR" smtClean="0"/>
+              <a:rPr lang="en-US" altLang="ko-KR" smtClean="0">
+                <a:latin typeface="a드림고딕5" panose="02020600000000000000" pitchFamily="18" charset="-127"/>
+                <a:ea typeface="a드림고딕5" panose="02020600000000000000" pitchFamily="18" charset="-127"/>
+              </a:rPr>
               <a:t>06</a:t>
             </a:r>
-            <a:endParaRPr lang="ko-KR" altLang="en-US" dirty="0"/>
+            <a:endParaRPr lang="ko-KR" altLang="en-US" dirty="0">
+              <a:latin typeface="a드림고딕5" panose="02020600000000000000" pitchFamily="18" charset="-127"/>
+              <a:ea typeface="a드림고딕5" panose="02020600000000000000" pitchFamily="18" charset="-127"/>
+            </a:endParaRPr>
           </a:p>
         </p:txBody>
       </p:sp>
@@ -19732,7 +19738,7 @@
           <p:cNvPr id="2" name="직사각형 1">
             <a:extLst>
               <a:ext uri="{FF2B5EF4-FFF2-40B4-BE49-F238E27FC236}">
-                <a16:creationId xmlns="" xmlns:a16="http://schemas.microsoft.com/office/drawing/2014/main" id="{53949433-A6B5-46AE-AF06-30B3C66D2186}"/>
+                <a16:creationId xmlns:a16="http://schemas.microsoft.com/office/drawing/2014/main" xmlns="" id="{53949433-A6B5-46AE-AF06-30B3C66D2186}"/>
               </a:ext>
             </a:extLst>
           </p:cNvPr>
@@ -19781,7 +19787,7 @@
           <p:cNvPr id="21" name="텍스트 개체 틀 3">
             <a:extLst>
               <a:ext uri="{FF2B5EF4-FFF2-40B4-BE49-F238E27FC236}">
-                <a16:creationId xmlns="" xmlns:a16="http://schemas.microsoft.com/office/drawing/2014/main" id="{2D1AADC4-1264-44B7-A2CA-3E987C79D103}"/>
+                <a16:creationId xmlns:a16="http://schemas.microsoft.com/office/drawing/2014/main" xmlns="" id="{2D1AADC4-1264-44B7-A2CA-3E987C79D103}"/>
               </a:ext>
             </a:extLst>
           </p:cNvPr>
@@ -19994,7 +20000,7 @@
           <p:cNvPr id="22" name="텍스트 개체 틀 8">
             <a:extLst>
               <a:ext uri="{FF2B5EF4-FFF2-40B4-BE49-F238E27FC236}">
-                <a16:creationId xmlns="" xmlns:a16="http://schemas.microsoft.com/office/drawing/2014/main" id="{93294656-5B3E-44C5-9CAC-9AE4DB29B316}"/>
+                <a16:creationId xmlns:a16="http://schemas.microsoft.com/office/drawing/2014/main" xmlns="" id="{93294656-5B3E-44C5-9CAC-9AE4DB29B316}"/>
               </a:ext>
             </a:extLst>
           </p:cNvPr>
@@ -20224,7 +20230,7 @@
           <p:cNvPr id="30" name="텍스트 개체 틀 3">
             <a:extLst>
               <a:ext uri="{FF2B5EF4-FFF2-40B4-BE49-F238E27FC236}">
-                <a16:creationId xmlns="" xmlns:a16="http://schemas.microsoft.com/office/drawing/2014/main" id="{60161634-9FA4-4F7D-9806-728D52C39930}"/>
+                <a16:creationId xmlns:a16="http://schemas.microsoft.com/office/drawing/2014/main" xmlns="" id="{60161634-9FA4-4F7D-9806-728D52C39930}"/>
               </a:ext>
             </a:extLst>
           </p:cNvPr>
@@ -20437,7 +20443,7 @@
           <p:cNvPr id="31" name="텍스트 개체 틀 8">
             <a:extLst>
               <a:ext uri="{FF2B5EF4-FFF2-40B4-BE49-F238E27FC236}">
-                <a16:creationId xmlns="" xmlns:a16="http://schemas.microsoft.com/office/drawing/2014/main" id="{A1324607-C5E3-4BCC-A68F-559BEABB54A4}"/>
+                <a16:creationId xmlns:a16="http://schemas.microsoft.com/office/drawing/2014/main" xmlns="" id="{A1324607-C5E3-4BCC-A68F-559BEABB54A4}"/>
               </a:ext>
             </a:extLst>
           </p:cNvPr>
@@ -20674,7 +20680,7 @@
           <p:cNvPr id="36" name="텍스트 개체 틀 3">
             <a:extLst>
               <a:ext uri="{FF2B5EF4-FFF2-40B4-BE49-F238E27FC236}">
-                <a16:creationId xmlns="" xmlns:a16="http://schemas.microsoft.com/office/drawing/2014/main" id="{172DF75E-2637-4E1E-9286-7C1D6B03B7BC}"/>
+                <a16:creationId xmlns:a16="http://schemas.microsoft.com/office/drawing/2014/main" xmlns="" id="{172DF75E-2637-4E1E-9286-7C1D6B03B7BC}"/>
               </a:ext>
             </a:extLst>
           </p:cNvPr>
@@ -20887,7 +20893,7 @@
           <p:cNvPr id="37" name="텍스트 개체 틀 8">
             <a:extLst>
               <a:ext uri="{FF2B5EF4-FFF2-40B4-BE49-F238E27FC236}">
-                <a16:creationId xmlns="" xmlns:a16="http://schemas.microsoft.com/office/drawing/2014/main" id="{CF9912FC-6187-4A94-B508-8F2A4B094160}"/>
+                <a16:creationId xmlns:a16="http://schemas.microsoft.com/office/drawing/2014/main" xmlns="" id="{CF9912FC-6187-4A94-B508-8F2A4B094160}"/>
               </a:ext>
             </a:extLst>
           </p:cNvPr>
@@ -21096,7 +21102,7 @@
           <p:cNvPr id="39" name="텍스트 개체 틀 3">
             <a:extLst>
               <a:ext uri="{FF2B5EF4-FFF2-40B4-BE49-F238E27FC236}">
-                <a16:creationId xmlns="" xmlns:a16="http://schemas.microsoft.com/office/drawing/2014/main" id="{C0C5285D-210C-4987-8B4B-A6AD4F5BBA36}"/>
+                <a16:creationId xmlns:a16="http://schemas.microsoft.com/office/drawing/2014/main" xmlns="" id="{C0C5285D-210C-4987-8B4B-A6AD4F5BBA36}"/>
               </a:ext>
             </a:extLst>
           </p:cNvPr>
@@ -21309,7 +21315,7 @@
           <p:cNvPr id="40" name="텍스트 개체 틀 8">
             <a:extLst>
               <a:ext uri="{FF2B5EF4-FFF2-40B4-BE49-F238E27FC236}">
-                <a16:creationId xmlns="" xmlns:a16="http://schemas.microsoft.com/office/drawing/2014/main" id="{D3FEAAB1-4EC6-46F1-B088-FB06C54E333E}"/>
+                <a16:creationId xmlns:a16="http://schemas.microsoft.com/office/drawing/2014/main" xmlns="" id="{D3FEAAB1-4EC6-46F1-B088-FB06C54E333E}"/>
               </a:ext>
             </a:extLst>
           </p:cNvPr>
@@ -21558,7 +21564,7 @@
           <p:cNvPr id="48" name="텍스트 개체 틀 3">
             <a:extLst>
               <a:ext uri="{FF2B5EF4-FFF2-40B4-BE49-F238E27FC236}">
-                <a16:creationId xmlns="" xmlns:a16="http://schemas.microsoft.com/office/drawing/2014/main" id="{1756C266-F0DE-461B-9432-6EA510B4CCAE}"/>
+                <a16:creationId xmlns:a16="http://schemas.microsoft.com/office/drawing/2014/main" xmlns="" id="{1756C266-F0DE-461B-9432-6EA510B4CCAE}"/>
               </a:ext>
             </a:extLst>
           </p:cNvPr>
@@ -21771,7 +21777,7 @@
           <p:cNvPr id="49" name="텍스트 개체 틀 8">
             <a:extLst>
               <a:ext uri="{FF2B5EF4-FFF2-40B4-BE49-F238E27FC236}">
-                <a16:creationId xmlns="" xmlns:a16="http://schemas.microsoft.com/office/drawing/2014/main" id="{BC04473C-BF1D-4960-B012-7BCE38331B7B}"/>
+                <a16:creationId xmlns:a16="http://schemas.microsoft.com/office/drawing/2014/main" xmlns="" id="{BC04473C-BF1D-4960-B012-7BCE38331B7B}"/>
               </a:ext>
             </a:extLst>
           </p:cNvPr>
@@ -21980,7 +21986,7 @@
           <p:cNvPr id="52" name="제목 1">
             <a:extLst>
               <a:ext uri="{FF2B5EF4-FFF2-40B4-BE49-F238E27FC236}">
-                <a16:creationId xmlns="" xmlns:a16="http://schemas.microsoft.com/office/drawing/2014/main" id="{91CA72B6-6500-473C-B295-6A2A9BCFB400}"/>
+                <a16:creationId xmlns:a16="http://schemas.microsoft.com/office/drawing/2014/main" xmlns="" id="{91CA72B6-6500-473C-B295-6A2A9BCFB400}"/>
               </a:ext>
             </a:extLst>
           </p:cNvPr>
@@ -22042,7 +22048,7 @@
           <p:cNvPr id="53" name="순서도: 대체 처리 52">
             <a:extLst>
               <a:ext uri="{FF2B5EF4-FFF2-40B4-BE49-F238E27FC236}">
-                <a16:creationId xmlns="" xmlns:a16="http://schemas.microsoft.com/office/drawing/2014/main" id="{55161F45-087B-4B8E-B7E3-766B80AF4D00}"/>
+                <a16:creationId xmlns:a16="http://schemas.microsoft.com/office/drawing/2014/main" xmlns="" id="{55161F45-087B-4B8E-B7E3-766B80AF4D00}"/>
               </a:ext>
             </a:extLst>
           </p:cNvPr>
@@ -22185,7 +22191,7 @@
           <p:cNvPr id="54" name="순서도: 대체 처리 53">
             <a:extLst>
               <a:ext uri="{FF2B5EF4-FFF2-40B4-BE49-F238E27FC236}">
-                <a16:creationId xmlns="" xmlns:a16="http://schemas.microsoft.com/office/drawing/2014/main" id="{289F1F3D-02DC-4ECF-BEF6-D6DC7853791D}"/>
+                <a16:creationId xmlns:a16="http://schemas.microsoft.com/office/drawing/2014/main" xmlns="" id="{289F1F3D-02DC-4ECF-BEF6-D6DC7853791D}"/>
               </a:ext>
             </a:extLst>
           </p:cNvPr>
@@ -22328,7 +22334,7 @@
           <p:cNvPr id="55" name="순서도: 대체 처리 54">
             <a:extLst>
               <a:ext uri="{FF2B5EF4-FFF2-40B4-BE49-F238E27FC236}">
-                <a16:creationId xmlns="" xmlns:a16="http://schemas.microsoft.com/office/drawing/2014/main" id="{70692618-097E-4BEC-A3F7-5F460B3DE46C}"/>
+                <a16:creationId xmlns:a16="http://schemas.microsoft.com/office/drawing/2014/main" xmlns="" id="{70692618-097E-4BEC-A3F7-5F460B3DE46C}"/>
               </a:ext>
             </a:extLst>
           </p:cNvPr>
@@ -22471,7 +22477,7 @@
           <p:cNvPr id="56" name="순서도: 대체 처리 55">
             <a:extLst>
               <a:ext uri="{FF2B5EF4-FFF2-40B4-BE49-F238E27FC236}">
-                <a16:creationId xmlns="" xmlns:a16="http://schemas.microsoft.com/office/drawing/2014/main" id="{FDC10535-54A3-458D-AA7F-A2D76BD4DC50}"/>
+                <a16:creationId xmlns:a16="http://schemas.microsoft.com/office/drawing/2014/main" xmlns="" id="{FDC10535-54A3-458D-AA7F-A2D76BD4DC50}"/>
               </a:ext>
             </a:extLst>
           </p:cNvPr>
@@ -22614,7 +22620,7 @@
           <p:cNvPr id="58" name="순서도: 대체 처리 57">
             <a:extLst>
               <a:ext uri="{FF2B5EF4-FFF2-40B4-BE49-F238E27FC236}">
-                <a16:creationId xmlns="" xmlns:a16="http://schemas.microsoft.com/office/drawing/2014/main" id="{0B8B8229-937B-4CAB-A622-21ECDE24159E}"/>
+                <a16:creationId xmlns:a16="http://schemas.microsoft.com/office/drawing/2014/main" xmlns="" id="{0B8B8229-937B-4CAB-A622-21ECDE24159E}"/>
               </a:ext>
             </a:extLst>
           </p:cNvPr>
@@ -22851,7 +22857,7 @@
           <p:cNvPr id="6" name="그림 5">
             <a:extLst>
               <a:ext uri="{FF2B5EF4-FFF2-40B4-BE49-F238E27FC236}">
-                <a16:creationId xmlns="" xmlns:a16="http://schemas.microsoft.com/office/drawing/2014/main" id="{B3BA95FE-C82D-486F-8F93-F259ED2DB238}"/>
+                <a16:creationId xmlns:a16="http://schemas.microsoft.com/office/drawing/2014/main" xmlns="" id="{B3BA95FE-C82D-486F-8F93-F259ED2DB238}"/>
               </a:ext>
             </a:extLst>
           </p:cNvPr>
@@ -22926,7 +22932,7 @@
           <p:cNvPr id="22" name="그림 21">
             <a:extLst>
               <a:ext uri="{FF2B5EF4-FFF2-40B4-BE49-F238E27FC236}">
-                <a16:creationId xmlns="" xmlns:a16="http://schemas.microsoft.com/office/drawing/2014/main" id="{168F124E-C2BC-420D-8978-F70E93321420}"/>
+                <a16:creationId xmlns:a16="http://schemas.microsoft.com/office/drawing/2014/main" xmlns="" id="{168F124E-C2BC-420D-8978-F70E93321420}"/>
               </a:ext>
             </a:extLst>
           </p:cNvPr>
@@ -23018,7 +23024,7 @@
           <p:cNvPr id="14" name="TextBox 13">
             <a:extLst>
               <a:ext uri="{FF2B5EF4-FFF2-40B4-BE49-F238E27FC236}">
-                <a16:creationId xmlns="" xmlns:a16="http://schemas.microsoft.com/office/drawing/2014/main" id="{C26A9408-0566-4E08-BFFA-BFA1229B0E20}"/>
+                <a16:creationId xmlns:a16="http://schemas.microsoft.com/office/drawing/2014/main" xmlns="" id="{C26A9408-0566-4E08-BFFA-BFA1229B0E20}"/>
               </a:ext>
             </a:extLst>
           </p:cNvPr>
@@ -23179,7 +23185,7 @@
           <p:cNvPr id="26" name="그림 25">
             <a:extLst>
               <a:ext uri="{FF2B5EF4-FFF2-40B4-BE49-F238E27FC236}">
-                <a16:creationId xmlns="" xmlns:a16="http://schemas.microsoft.com/office/drawing/2014/main" id="{6A85D7B9-6FA4-4F23-89D1-E23A40C6804C}"/>
+                <a16:creationId xmlns:a16="http://schemas.microsoft.com/office/drawing/2014/main" xmlns="" id="{6A85D7B9-6FA4-4F23-89D1-E23A40C6804C}"/>
               </a:ext>
             </a:extLst>
           </p:cNvPr>
@@ -23227,7 +23233,7 @@
           <p:cNvPr id="3" name="그림 2">
             <a:extLst>
               <a:ext uri="{FF2B5EF4-FFF2-40B4-BE49-F238E27FC236}">
-                <a16:creationId xmlns="" xmlns:a16="http://schemas.microsoft.com/office/drawing/2014/main" id="{A71E8E5B-DA42-4184-97F5-0EDE10E6C147}"/>
+                <a16:creationId xmlns:a16="http://schemas.microsoft.com/office/drawing/2014/main" xmlns="" id="{A71E8E5B-DA42-4184-97F5-0EDE10E6C147}"/>
               </a:ext>
             </a:extLst>
           </p:cNvPr>
@@ -23406,7 +23412,7 @@
           <p:cNvPr id="14" name="TextBox 13">
             <a:extLst>
               <a:ext uri="{FF2B5EF4-FFF2-40B4-BE49-F238E27FC236}">
-                <a16:creationId xmlns="" xmlns:a16="http://schemas.microsoft.com/office/drawing/2014/main" id="{C26A9408-0566-4E08-BFFA-BFA1229B0E20}"/>
+                <a16:creationId xmlns:a16="http://schemas.microsoft.com/office/drawing/2014/main" xmlns="" id="{C26A9408-0566-4E08-BFFA-BFA1229B0E20}"/>
               </a:ext>
             </a:extLst>
           </p:cNvPr>
@@ -23525,19 +23531,7 @@
                 <a:latin typeface="a드림고딕5" panose="02020600000000000000" pitchFamily="18" charset="-127"/>
                 <a:ea typeface="a드림고딕5" panose="02020600000000000000" pitchFamily="18" charset="-127"/>
               </a:rPr>
-              <a:t>기존 서비스는 </a:t>
-            </a:r>
-            <a:r>
-              <a:rPr lang="ko-KR" altLang="en-US" smtClean="0">
-                <a:solidFill>
-                  <a:schemeClr val="bg2">
-                    <a:lumMod val="50000"/>
-                  </a:schemeClr>
-                </a:solidFill>
-                <a:latin typeface="a드림고딕5" panose="02020600000000000000" pitchFamily="18" charset="-127"/>
-                <a:ea typeface="a드림고딕5" panose="02020600000000000000" pitchFamily="18" charset="-127"/>
-              </a:rPr>
-              <a:t>영화 중심</a:t>
+              <a:t>기존 서비스는 영화 중심</a:t>
             </a:r>
             <a:r>
               <a:rPr lang="en-US" altLang="ko-KR" smtClean="0">
@@ -23568,7 +23562,7 @@
           <p:cNvPr id="3" name="그림 2">
             <a:extLst>
               <a:ext uri="{FF2B5EF4-FFF2-40B4-BE49-F238E27FC236}">
-                <a16:creationId xmlns="" xmlns:a16="http://schemas.microsoft.com/office/drawing/2014/main" id="{51F7BE0C-5871-48FF-A407-8BA30272ED5B}"/>
+                <a16:creationId xmlns:a16="http://schemas.microsoft.com/office/drawing/2014/main" xmlns="" id="{51F7BE0C-5871-48FF-A407-8BA30272ED5B}"/>
               </a:ext>
             </a:extLst>
           </p:cNvPr>
@@ -23603,7 +23597,7 @@
           <p:cNvPr id="8" name="그림 7">
             <a:extLst>
               <a:ext uri="{FF2B5EF4-FFF2-40B4-BE49-F238E27FC236}">
-                <a16:creationId xmlns="" xmlns:a16="http://schemas.microsoft.com/office/drawing/2014/main" id="{0B3D60DA-D4EC-4A7E-A2BF-2E89136C8926}"/>
+                <a16:creationId xmlns:a16="http://schemas.microsoft.com/office/drawing/2014/main" xmlns="" id="{0B3D60DA-D4EC-4A7E-A2BF-2E89136C8926}"/>
               </a:ext>
             </a:extLst>
           </p:cNvPr>
@@ -23773,7 +23767,7 @@
           <p:cNvPr id="4" name="TextBox 3">
             <a:extLst>
               <a:ext uri="{FF2B5EF4-FFF2-40B4-BE49-F238E27FC236}">
-                <a16:creationId xmlns="" xmlns:a16="http://schemas.microsoft.com/office/drawing/2014/main" id="{82077A81-3175-424D-AD3F-CBDFD788FCBB}"/>
+                <a16:creationId xmlns:a16="http://schemas.microsoft.com/office/drawing/2014/main" xmlns="" id="{82077A81-3175-424D-AD3F-CBDFD788FCBB}"/>
               </a:ext>
             </a:extLst>
           </p:cNvPr>
@@ -23815,7 +23809,7 @@
           <p:cNvPr id="10" name="순서도: 대체 처리 9">
             <a:extLst>
               <a:ext uri="{FF2B5EF4-FFF2-40B4-BE49-F238E27FC236}">
-                <a16:creationId xmlns="" xmlns:a16="http://schemas.microsoft.com/office/drawing/2014/main" id="{D62A4F8B-06A1-461A-84B9-BB269A5DF339}"/>
+                <a16:creationId xmlns:a16="http://schemas.microsoft.com/office/drawing/2014/main" xmlns="" id="{D62A4F8B-06A1-461A-84B9-BB269A5DF339}"/>
               </a:ext>
             </a:extLst>
           </p:cNvPr>
@@ -23864,7 +23858,7 @@
           <p:cNvPr id="5" name="그림 4">
             <a:extLst>
               <a:ext uri="{FF2B5EF4-FFF2-40B4-BE49-F238E27FC236}">
-                <a16:creationId xmlns="" xmlns:a16="http://schemas.microsoft.com/office/drawing/2014/main" id="{1D43BFDF-F6AA-4B3D-8184-9A7CCFECE933}"/>
+                <a16:creationId xmlns:a16="http://schemas.microsoft.com/office/drawing/2014/main" xmlns="" id="{1D43BFDF-F6AA-4B3D-8184-9A7CCFECE933}"/>
               </a:ext>
             </a:extLst>
           </p:cNvPr>
@@ -23899,7 +23893,7 @@
           <p:cNvPr id="13" name="TextBox 12">
             <a:extLst>
               <a:ext uri="{FF2B5EF4-FFF2-40B4-BE49-F238E27FC236}">
-                <a16:creationId xmlns="" xmlns:a16="http://schemas.microsoft.com/office/drawing/2014/main" id="{1FE35507-8A3C-4057-AB49-EBF4C858EB73}"/>
+                <a16:creationId xmlns:a16="http://schemas.microsoft.com/office/drawing/2014/main" xmlns="" id="{1FE35507-8A3C-4057-AB49-EBF4C858EB73}"/>
               </a:ext>
             </a:extLst>
           </p:cNvPr>
@@ -23955,7 +23949,7 @@
           <p:cNvPr id="19" name="그림 18">
             <a:extLst>
               <a:ext uri="{FF2B5EF4-FFF2-40B4-BE49-F238E27FC236}">
-                <a16:creationId xmlns="" xmlns:a16="http://schemas.microsoft.com/office/drawing/2014/main" id="{0CC4AB1E-ABB0-46CF-964F-F917FAD467B0}"/>
+                <a16:creationId xmlns:a16="http://schemas.microsoft.com/office/drawing/2014/main" xmlns="" id="{0CC4AB1E-ABB0-46CF-964F-F917FAD467B0}"/>
               </a:ext>
             </a:extLst>
           </p:cNvPr>
@@ -24002,7 +23996,7 @@
           <p:cNvPr id="11" name="그림 10">
             <a:extLst>
               <a:ext uri="{FF2B5EF4-FFF2-40B4-BE49-F238E27FC236}">
-                <a16:creationId xmlns="" xmlns:a16="http://schemas.microsoft.com/office/drawing/2014/main" id="{6F2A398C-5AEB-48FF-AEAC-232E63109AE5}"/>
+                <a16:creationId xmlns:a16="http://schemas.microsoft.com/office/drawing/2014/main" xmlns="" id="{6F2A398C-5AEB-48FF-AEAC-232E63109AE5}"/>
               </a:ext>
             </a:extLst>
           </p:cNvPr>
@@ -24131,7 +24125,7 @@
           <p:cNvPr id="3" name="그림 2">
             <a:extLst>
               <a:ext uri="{FF2B5EF4-FFF2-40B4-BE49-F238E27FC236}">
-                <a16:creationId xmlns="" xmlns:a16="http://schemas.microsoft.com/office/drawing/2014/main" id="{BCEDD9AA-F2EF-4E84-8BB7-3A6C2A2D3BFC}"/>
+                <a16:creationId xmlns:a16="http://schemas.microsoft.com/office/drawing/2014/main" xmlns="" id="{BCEDD9AA-F2EF-4E84-8BB7-3A6C2A2D3BFC}"/>
               </a:ext>
             </a:extLst>
           </p:cNvPr>
@@ -24260,7 +24254,7 @@
           <p:cNvPr id="8" name="직선 연결선 7">
             <a:extLst>
               <a:ext uri="{FF2B5EF4-FFF2-40B4-BE49-F238E27FC236}">
-                <a16:creationId xmlns="" xmlns:a16="http://schemas.microsoft.com/office/drawing/2014/main" id="{9E1390A9-09A1-488E-97C3-A6744285DA8D}"/>
+                <a16:creationId xmlns:a16="http://schemas.microsoft.com/office/drawing/2014/main" xmlns="" id="{9E1390A9-09A1-488E-97C3-A6744285DA8D}"/>
               </a:ext>
             </a:extLst>
           </p:cNvPr>
@@ -24303,7 +24297,7 @@
           <p:cNvPr id="9" name="직선 연결선 8">
             <a:extLst>
               <a:ext uri="{FF2B5EF4-FFF2-40B4-BE49-F238E27FC236}">
-                <a16:creationId xmlns="" xmlns:a16="http://schemas.microsoft.com/office/drawing/2014/main" id="{7D3B1FA3-C211-4639-A9D3-7296054C3AA0}"/>
+                <a16:creationId xmlns:a16="http://schemas.microsoft.com/office/drawing/2014/main" xmlns="" id="{7D3B1FA3-C211-4639-A9D3-7296054C3AA0}"/>
               </a:ext>
             </a:extLst>
           </p:cNvPr>
